--- a/ppt 16-9/0517.献堂感恩.pptx
+++ b/ppt 16-9/0517.献堂感恩.pptx
@@ -129,7 +129,7 @@
           <p:cNvPr id="2" name="标题 1">
             <a:extLst>
               <a:ext uri="{FF2B5EF4-FFF2-40B4-BE49-F238E27FC236}">
-                <a16:creationId xmlns:a16="http://schemas.microsoft.com/office/drawing/2014/main" id="{FCE7EDD9-F27F-663D-A5A3-DD14CA92557F}"/>
+                <a16:creationId xmlns:a16="http://schemas.microsoft.com/office/drawing/2014/main" id="{24CD5640-9F78-4AC8-DA1E-49A444AA53C7}"/>
               </a:ext>
             </a:extLst>
           </p:cNvPr>
@@ -166,7 +166,7 @@
           <p:cNvPr id="3" name="副标题 2">
             <a:extLst>
               <a:ext uri="{FF2B5EF4-FFF2-40B4-BE49-F238E27FC236}">
-                <a16:creationId xmlns:a16="http://schemas.microsoft.com/office/drawing/2014/main" id="{74976901-7693-6443-75D4-12BF844E2576}"/>
+                <a16:creationId xmlns:a16="http://schemas.microsoft.com/office/drawing/2014/main" id="{FFF00B55-79D7-74B3-0EC8-189A2B436F59}"/>
               </a:ext>
             </a:extLst>
           </p:cNvPr>
@@ -236,7 +236,7 @@
           <p:cNvPr id="4" name="日期占位符 3">
             <a:extLst>
               <a:ext uri="{FF2B5EF4-FFF2-40B4-BE49-F238E27FC236}">
-                <a16:creationId xmlns:a16="http://schemas.microsoft.com/office/drawing/2014/main" id="{66362C6B-D6E3-458F-73CF-4C42C56997BB}"/>
+                <a16:creationId xmlns:a16="http://schemas.microsoft.com/office/drawing/2014/main" id="{BA734164-300D-00D4-165C-08BF7816762E}"/>
               </a:ext>
             </a:extLst>
           </p:cNvPr>
@@ -252,7 +252,7 @@
           <a:bodyPr/>
           <a:lstStyle/>
           <a:p>
-            <a:fld id="{BBD6A05D-9495-494D-B79B-FEFB174B0A34}" type="datetimeFigureOut">
+            <a:fld id="{7C488F88-3445-4117-BD33-12C0A851A300}" type="datetimeFigureOut">
               <a:rPr lang="zh-CN" altLang="en-US" smtClean="0"/>
               <a:t>2024/3/10</a:t>
             </a:fld>
@@ -265,7 +265,7 @@
           <p:cNvPr id="5" name="页脚占位符 4">
             <a:extLst>
               <a:ext uri="{FF2B5EF4-FFF2-40B4-BE49-F238E27FC236}">
-                <a16:creationId xmlns:a16="http://schemas.microsoft.com/office/drawing/2014/main" id="{3E11818A-7144-BFCD-4FF4-547EEE2ED6B1}"/>
+                <a16:creationId xmlns:a16="http://schemas.microsoft.com/office/drawing/2014/main" id="{55D903FA-60B7-CF38-3F4B-DD6A345BB6A1}"/>
               </a:ext>
             </a:extLst>
           </p:cNvPr>
@@ -290,7 +290,7 @@
           <p:cNvPr id="6" name="灯片编号占位符 5">
             <a:extLst>
               <a:ext uri="{FF2B5EF4-FFF2-40B4-BE49-F238E27FC236}">
-                <a16:creationId xmlns:a16="http://schemas.microsoft.com/office/drawing/2014/main" id="{514B3A59-4477-89B9-992E-A429AC6E862C}"/>
+                <a16:creationId xmlns:a16="http://schemas.microsoft.com/office/drawing/2014/main" id="{5FF48431-320D-64D0-CEBA-BBEA5070575E}"/>
               </a:ext>
             </a:extLst>
           </p:cNvPr>
@@ -306,7 +306,7 @@
           <a:bodyPr/>
           <a:lstStyle/>
           <a:p>
-            <a:fld id="{D5323626-3C0A-41F7-A437-9B711F420E45}" type="slidenum">
+            <a:fld id="{6E5528F8-E349-4D61-9493-9C71DECBF5F3}" type="slidenum">
               <a:rPr lang="zh-CN" altLang="en-US" smtClean="0"/>
               <a:t>‹#›</a:t>
             </a:fld>
@@ -317,7 +317,7 @@
     </p:spTree>
     <p:extLst>
       <p:ext uri="{BB962C8B-B14F-4D97-AF65-F5344CB8AC3E}">
-        <p14:creationId xmlns:p14="http://schemas.microsoft.com/office/powerpoint/2010/main" val="81300049"/>
+        <p14:creationId xmlns:p14="http://schemas.microsoft.com/office/powerpoint/2010/main" val="3462229065"/>
       </p:ext>
     </p:extLst>
   </p:cSld>
@@ -349,7 +349,7 @@
           <p:cNvPr id="2" name="标题 1">
             <a:extLst>
               <a:ext uri="{FF2B5EF4-FFF2-40B4-BE49-F238E27FC236}">
-                <a16:creationId xmlns:a16="http://schemas.microsoft.com/office/drawing/2014/main" id="{E1C68717-7353-D346-74C2-4C1A96280D98}"/>
+                <a16:creationId xmlns:a16="http://schemas.microsoft.com/office/drawing/2014/main" id="{637F9122-292C-0C58-64C9-8D63C6B7DC00}"/>
               </a:ext>
             </a:extLst>
           </p:cNvPr>
@@ -377,7 +377,7 @@
           <p:cNvPr id="3" name="竖排文字占位符 2">
             <a:extLst>
               <a:ext uri="{FF2B5EF4-FFF2-40B4-BE49-F238E27FC236}">
-                <a16:creationId xmlns:a16="http://schemas.microsoft.com/office/drawing/2014/main" id="{F8003E5F-531D-4E46-1E8C-C98AE7487381}"/>
+                <a16:creationId xmlns:a16="http://schemas.microsoft.com/office/drawing/2014/main" id="{79F35619-5B68-BC5A-A308-574B43B88DC7}"/>
               </a:ext>
             </a:extLst>
           </p:cNvPr>
@@ -434,7 +434,7 @@
           <p:cNvPr id="4" name="日期占位符 3">
             <a:extLst>
               <a:ext uri="{FF2B5EF4-FFF2-40B4-BE49-F238E27FC236}">
-                <a16:creationId xmlns:a16="http://schemas.microsoft.com/office/drawing/2014/main" id="{5F73B612-0BAA-1B95-501E-74FA942C9130}"/>
+                <a16:creationId xmlns:a16="http://schemas.microsoft.com/office/drawing/2014/main" id="{923F3BF7-F79F-BBD9-4A8E-3C15618BE70D}"/>
               </a:ext>
             </a:extLst>
           </p:cNvPr>
@@ -450,7 +450,7 @@
           <a:bodyPr/>
           <a:lstStyle/>
           <a:p>
-            <a:fld id="{BBD6A05D-9495-494D-B79B-FEFB174B0A34}" type="datetimeFigureOut">
+            <a:fld id="{7C488F88-3445-4117-BD33-12C0A851A300}" type="datetimeFigureOut">
               <a:rPr lang="zh-CN" altLang="en-US" smtClean="0"/>
               <a:t>2024/3/10</a:t>
             </a:fld>
@@ -463,7 +463,7 @@
           <p:cNvPr id="5" name="页脚占位符 4">
             <a:extLst>
               <a:ext uri="{FF2B5EF4-FFF2-40B4-BE49-F238E27FC236}">
-                <a16:creationId xmlns:a16="http://schemas.microsoft.com/office/drawing/2014/main" id="{904EE3AB-A4AE-240E-8853-C05F69BD51F9}"/>
+                <a16:creationId xmlns:a16="http://schemas.microsoft.com/office/drawing/2014/main" id="{4C3FDDB7-E99B-46C4-A82A-155F39424FE6}"/>
               </a:ext>
             </a:extLst>
           </p:cNvPr>
@@ -488,7 +488,7 @@
           <p:cNvPr id="6" name="灯片编号占位符 5">
             <a:extLst>
               <a:ext uri="{FF2B5EF4-FFF2-40B4-BE49-F238E27FC236}">
-                <a16:creationId xmlns:a16="http://schemas.microsoft.com/office/drawing/2014/main" id="{AC33212C-2ECB-0932-6F3D-977D312050DB}"/>
+                <a16:creationId xmlns:a16="http://schemas.microsoft.com/office/drawing/2014/main" id="{193F5D69-7F7D-6C80-59B1-E6999B30BCAC}"/>
               </a:ext>
             </a:extLst>
           </p:cNvPr>
@@ -504,7 +504,7 @@
           <a:bodyPr/>
           <a:lstStyle/>
           <a:p>
-            <a:fld id="{D5323626-3C0A-41F7-A437-9B711F420E45}" type="slidenum">
+            <a:fld id="{6E5528F8-E349-4D61-9493-9C71DECBF5F3}" type="slidenum">
               <a:rPr lang="zh-CN" altLang="en-US" smtClean="0"/>
               <a:t>‹#›</a:t>
             </a:fld>
@@ -515,7 +515,7 @@
     </p:spTree>
     <p:extLst>
       <p:ext uri="{BB962C8B-B14F-4D97-AF65-F5344CB8AC3E}">
-        <p14:creationId xmlns:p14="http://schemas.microsoft.com/office/powerpoint/2010/main" val="3052858221"/>
+        <p14:creationId xmlns:p14="http://schemas.microsoft.com/office/powerpoint/2010/main" val="1404436456"/>
       </p:ext>
     </p:extLst>
   </p:cSld>
@@ -547,7 +547,7 @@
           <p:cNvPr id="2" name="竖排标题 1">
             <a:extLst>
               <a:ext uri="{FF2B5EF4-FFF2-40B4-BE49-F238E27FC236}">
-                <a16:creationId xmlns:a16="http://schemas.microsoft.com/office/drawing/2014/main" id="{75BE1430-0DCE-D97C-2249-D3B2895650D9}"/>
+                <a16:creationId xmlns:a16="http://schemas.microsoft.com/office/drawing/2014/main" id="{6C6EA8EC-A429-5F66-3138-0814D431EFD6}"/>
               </a:ext>
             </a:extLst>
           </p:cNvPr>
@@ -580,7 +580,7 @@
           <p:cNvPr id="3" name="竖排文字占位符 2">
             <a:extLst>
               <a:ext uri="{FF2B5EF4-FFF2-40B4-BE49-F238E27FC236}">
-                <a16:creationId xmlns:a16="http://schemas.microsoft.com/office/drawing/2014/main" id="{AE7DDE77-3AA5-E855-C1FA-E1B061087B7F}"/>
+                <a16:creationId xmlns:a16="http://schemas.microsoft.com/office/drawing/2014/main" id="{9FA05182-3764-752D-BF3B-99BD41066E1B}"/>
               </a:ext>
             </a:extLst>
           </p:cNvPr>
@@ -642,7 +642,7 @@
           <p:cNvPr id="4" name="日期占位符 3">
             <a:extLst>
               <a:ext uri="{FF2B5EF4-FFF2-40B4-BE49-F238E27FC236}">
-                <a16:creationId xmlns:a16="http://schemas.microsoft.com/office/drawing/2014/main" id="{8D907E59-F0DA-BADA-5DDA-45998AA91ABA}"/>
+                <a16:creationId xmlns:a16="http://schemas.microsoft.com/office/drawing/2014/main" id="{98E5F548-0CDF-75FE-B9EE-78E465DFDC24}"/>
               </a:ext>
             </a:extLst>
           </p:cNvPr>
@@ -658,7 +658,7 @@
           <a:bodyPr/>
           <a:lstStyle/>
           <a:p>
-            <a:fld id="{BBD6A05D-9495-494D-B79B-FEFB174B0A34}" type="datetimeFigureOut">
+            <a:fld id="{7C488F88-3445-4117-BD33-12C0A851A300}" type="datetimeFigureOut">
               <a:rPr lang="zh-CN" altLang="en-US" smtClean="0"/>
               <a:t>2024/3/10</a:t>
             </a:fld>
@@ -671,7 +671,7 @@
           <p:cNvPr id="5" name="页脚占位符 4">
             <a:extLst>
               <a:ext uri="{FF2B5EF4-FFF2-40B4-BE49-F238E27FC236}">
-                <a16:creationId xmlns:a16="http://schemas.microsoft.com/office/drawing/2014/main" id="{09454B94-A77C-F78F-E42C-7573CABB7868}"/>
+                <a16:creationId xmlns:a16="http://schemas.microsoft.com/office/drawing/2014/main" id="{103E6F17-1F67-A376-B18D-411F4F88E447}"/>
               </a:ext>
             </a:extLst>
           </p:cNvPr>
@@ -696,7 +696,7 @@
           <p:cNvPr id="6" name="灯片编号占位符 5">
             <a:extLst>
               <a:ext uri="{FF2B5EF4-FFF2-40B4-BE49-F238E27FC236}">
-                <a16:creationId xmlns:a16="http://schemas.microsoft.com/office/drawing/2014/main" id="{40557A9B-AA50-9F76-DC37-DD90541546F5}"/>
+                <a16:creationId xmlns:a16="http://schemas.microsoft.com/office/drawing/2014/main" id="{9335C2F8-9914-1B74-C2D7-1834BB9AB608}"/>
               </a:ext>
             </a:extLst>
           </p:cNvPr>
@@ -712,7 +712,7 @@
           <a:bodyPr/>
           <a:lstStyle/>
           <a:p>
-            <a:fld id="{D5323626-3C0A-41F7-A437-9B711F420E45}" type="slidenum">
+            <a:fld id="{6E5528F8-E349-4D61-9493-9C71DECBF5F3}" type="slidenum">
               <a:rPr lang="zh-CN" altLang="en-US" smtClean="0"/>
               <a:t>‹#›</a:t>
             </a:fld>
@@ -723,7 +723,7 @@
     </p:spTree>
     <p:extLst>
       <p:ext uri="{BB962C8B-B14F-4D97-AF65-F5344CB8AC3E}">
-        <p14:creationId xmlns:p14="http://schemas.microsoft.com/office/powerpoint/2010/main" val="2741573825"/>
+        <p14:creationId xmlns:p14="http://schemas.microsoft.com/office/powerpoint/2010/main" val="480033004"/>
       </p:ext>
     </p:extLst>
   </p:cSld>
@@ -755,7 +755,7 @@
           <p:cNvPr id="2" name="标题 1">
             <a:extLst>
               <a:ext uri="{FF2B5EF4-FFF2-40B4-BE49-F238E27FC236}">
-                <a16:creationId xmlns:a16="http://schemas.microsoft.com/office/drawing/2014/main" id="{2A1333CE-23E3-27A9-E09A-9BAE0E9870B0}"/>
+                <a16:creationId xmlns:a16="http://schemas.microsoft.com/office/drawing/2014/main" id="{39E468E0-7FFD-4CC8-ECA9-2223FC618AA9}"/>
               </a:ext>
             </a:extLst>
           </p:cNvPr>
@@ -783,7 +783,7 @@
           <p:cNvPr id="3" name="内容占位符 2">
             <a:extLst>
               <a:ext uri="{FF2B5EF4-FFF2-40B4-BE49-F238E27FC236}">
-                <a16:creationId xmlns:a16="http://schemas.microsoft.com/office/drawing/2014/main" id="{B3D40027-830F-D7B5-498A-1058CCF35903}"/>
+                <a16:creationId xmlns:a16="http://schemas.microsoft.com/office/drawing/2014/main" id="{061EB597-7D94-2199-719B-82817186C0D0}"/>
               </a:ext>
             </a:extLst>
           </p:cNvPr>
@@ -840,7 +840,7 @@
           <p:cNvPr id="4" name="日期占位符 3">
             <a:extLst>
               <a:ext uri="{FF2B5EF4-FFF2-40B4-BE49-F238E27FC236}">
-                <a16:creationId xmlns:a16="http://schemas.microsoft.com/office/drawing/2014/main" id="{68FDBD36-5119-D855-A845-A341C8A7868D}"/>
+                <a16:creationId xmlns:a16="http://schemas.microsoft.com/office/drawing/2014/main" id="{135E8875-8263-105A-78BD-C6C6A6874EC9}"/>
               </a:ext>
             </a:extLst>
           </p:cNvPr>
@@ -856,7 +856,7 @@
           <a:bodyPr/>
           <a:lstStyle/>
           <a:p>
-            <a:fld id="{BBD6A05D-9495-494D-B79B-FEFB174B0A34}" type="datetimeFigureOut">
+            <a:fld id="{7C488F88-3445-4117-BD33-12C0A851A300}" type="datetimeFigureOut">
               <a:rPr lang="zh-CN" altLang="en-US" smtClean="0"/>
               <a:t>2024/3/10</a:t>
             </a:fld>
@@ -869,7 +869,7 @@
           <p:cNvPr id="5" name="页脚占位符 4">
             <a:extLst>
               <a:ext uri="{FF2B5EF4-FFF2-40B4-BE49-F238E27FC236}">
-                <a16:creationId xmlns:a16="http://schemas.microsoft.com/office/drawing/2014/main" id="{61FA1D8D-0F37-C442-A325-443D4BCB3311}"/>
+                <a16:creationId xmlns:a16="http://schemas.microsoft.com/office/drawing/2014/main" id="{FF2CCB19-4403-5901-629E-14F7F3A2E622}"/>
               </a:ext>
             </a:extLst>
           </p:cNvPr>
@@ -894,7 +894,7 @@
           <p:cNvPr id="6" name="灯片编号占位符 5">
             <a:extLst>
               <a:ext uri="{FF2B5EF4-FFF2-40B4-BE49-F238E27FC236}">
-                <a16:creationId xmlns:a16="http://schemas.microsoft.com/office/drawing/2014/main" id="{19A6C136-9336-6A79-1F12-029B2EA4C04C}"/>
+                <a16:creationId xmlns:a16="http://schemas.microsoft.com/office/drawing/2014/main" id="{BCA486F6-8C16-C4A9-3DC5-4EBEDC3D786F}"/>
               </a:ext>
             </a:extLst>
           </p:cNvPr>
@@ -910,7 +910,7 @@
           <a:bodyPr/>
           <a:lstStyle/>
           <a:p>
-            <a:fld id="{D5323626-3C0A-41F7-A437-9B711F420E45}" type="slidenum">
+            <a:fld id="{6E5528F8-E349-4D61-9493-9C71DECBF5F3}" type="slidenum">
               <a:rPr lang="zh-CN" altLang="en-US" smtClean="0"/>
               <a:t>‹#›</a:t>
             </a:fld>
@@ -921,7 +921,7 @@
     </p:spTree>
     <p:extLst>
       <p:ext uri="{BB962C8B-B14F-4D97-AF65-F5344CB8AC3E}">
-        <p14:creationId xmlns:p14="http://schemas.microsoft.com/office/powerpoint/2010/main" val="3714529399"/>
+        <p14:creationId xmlns:p14="http://schemas.microsoft.com/office/powerpoint/2010/main" val="3408966935"/>
       </p:ext>
     </p:extLst>
   </p:cSld>
@@ -953,7 +953,7 @@
           <p:cNvPr id="2" name="标题 1">
             <a:extLst>
               <a:ext uri="{FF2B5EF4-FFF2-40B4-BE49-F238E27FC236}">
-                <a16:creationId xmlns:a16="http://schemas.microsoft.com/office/drawing/2014/main" id="{3F8944CD-CD77-9A70-571A-3039C27EE76C}"/>
+                <a16:creationId xmlns:a16="http://schemas.microsoft.com/office/drawing/2014/main" id="{42C02914-EE04-52FE-CE0B-8DAE52411A36}"/>
               </a:ext>
             </a:extLst>
           </p:cNvPr>
@@ -990,7 +990,7 @@
           <p:cNvPr id="3" name="文本占位符 2">
             <a:extLst>
               <a:ext uri="{FF2B5EF4-FFF2-40B4-BE49-F238E27FC236}">
-                <a16:creationId xmlns:a16="http://schemas.microsoft.com/office/drawing/2014/main" id="{221363FF-40FD-D5CC-AA44-F6CAEEBB4BFB}"/>
+                <a16:creationId xmlns:a16="http://schemas.microsoft.com/office/drawing/2014/main" id="{668DA7D9-97BD-E873-05D9-B3BC19D217D1}"/>
               </a:ext>
             </a:extLst>
           </p:cNvPr>
@@ -1115,7 +1115,7 @@
           <p:cNvPr id="4" name="日期占位符 3">
             <a:extLst>
               <a:ext uri="{FF2B5EF4-FFF2-40B4-BE49-F238E27FC236}">
-                <a16:creationId xmlns:a16="http://schemas.microsoft.com/office/drawing/2014/main" id="{5A2EF28D-1851-1228-D625-859330073BAC}"/>
+                <a16:creationId xmlns:a16="http://schemas.microsoft.com/office/drawing/2014/main" id="{A6CBDCA5-FBA8-933A-1734-53204FDB2134}"/>
               </a:ext>
             </a:extLst>
           </p:cNvPr>
@@ -1131,7 +1131,7 @@
           <a:bodyPr/>
           <a:lstStyle/>
           <a:p>
-            <a:fld id="{BBD6A05D-9495-494D-B79B-FEFB174B0A34}" type="datetimeFigureOut">
+            <a:fld id="{7C488F88-3445-4117-BD33-12C0A851A300}" type="datetimeFigureOut">
               <a:rPr lang="zh-CN" altLang="en-US" smtClean="0"/>
               <a:t>2024/3/10</a:t>
             </a:fld>
@@ -1144,7 +1144,7 @@
           <p:cNvPr id="5" name="页脚占位符 4">
             <a:extLst>
               <a:ext uri="{FF2B5EF4-FFF2-40B4-BE49-F238E27FC236}">
-                <a16:creationId xmlns:a16="http://schemas.microsoft.com/office/drawing/2014/main" id="{AE565721-344C-8968-B11A-E1A64B8D4321}"/>
+                <a16:creationId xmlns:a16="http://schemas.microsoft.com/office/drawing/2014/main" id="{560EE231-C196-B760-B9B7-099005EF49F9}"/>
               </a:ext>
             </a:extLst>
           </p:cNvPr>
@@ -1169,7 +1169,7 @@
           <p:cNvPr id="6" name="灯片编号占位符 5">
             <a:extLst>
               <a:ext uri="{FF2B5EF4-FFF2-40B4-BE49-F238E27FC236}">
-                <a16:creationId xmlns:a16="http://schemas.microsoft.com/office/drawing/2014/main" id="{74B23475-FEBE-94A8-407C-D91445A04DC6}"/>
+                <a16:creationId xmlns:a16="http://schemas.microsoft.com/office/drawing/2014/main" id="{D424AC53-D7E1-C023-7BF7-1AB050644FEB}"/>
               </a:ext>
             </a:extLst>
           </p:cNvPr>
@@ -1185,7 +1185,7 @@
           <a:bodyPr/>
           <a:lstStyle/>
           <a:p>
-            <a:fld id="{D5323626-3C0A-41F7-A437-9B711F420E45}" type="slidenum">
+            <a:fld id="{6E5528F8-E349-4D61-9493-9C71DECBF5F3}" type="slidenum">
               <a:rPr lang="zh-CN" altLang="en-US" smtClean="0"/>
               <a:t>‹#›</a:t>
             </a:fld>
@@ -1196,7 +1196,7 @@
     </p:spTree>
     <p:extLst>
       <p:ext uri="{BB962C8B-B14F-4D97-AF65-F5344CB8AC3E}">
-        <p14:creationId xmlns:p14="http://schemas.microsoft.com/office/powerpoint/2010/main" val="4000957894"/>
+        <p14:creationId xmlns:p14="http://schemas.microsoft.com/office/powerpoint/2010/main" val="3216871438"/>
       </p:ext>
     </p:extLst>
   </p:cSld>
@@ -1228,7 +1228,7 @@
           <p:cNvPr id="2" name="标题 1">
             <a:extLst>
               <a:ext uri="{FF2B5EF4-FFF2-40B4-BE49-F238E27FC236}">
-                <a16:creationId xmlns:a16="http://schemas.microsoft.com/office/drawing/2014/main" id="{54BBB92B-2516-42A9-4DBC-9B57FEE85FFA}"/>
+                <a16:creationId xmlns:a16="http://schemas.microsoft.com/office/drawing/2014/main" id="{6AC1F37E-85BA-E76F-5610-F163290E773D}"/>
               </a:ext>
             </a:extLst>
           </p:cNvPr>
@@ -1256,7 +1256,7 @@
           <p:cNvPr id="3" name="内容占位符 2">
             <a:extLst>
               <a:ext uri="{FF2B5EF4-FFF2-40B4-BE49-F238E27FC236}">
-                <a16:creationId xmlns:a16="http://schemas.microsoft.com/office/drawing/2014/main" id="{4BA8EF76-BDE3-6D6B-3D55-7372CDB340CA}"/>
+                <a16:creationId xmlns:a16="http://schemas.microsoft.com/office/drawing/2014/main" id="{517EA6E6-71E0-A61F-47D0-C79138E2F873}"/>
               </a:ext>
             </a:extLst>
           </p:cNvPr>
@@ -1318,7 +1318,7 @@
           <p:cNvPr id="4" name="内容占位符 3">
             <a:extLst>
               <a:ext uri="{FF2B5EF4-FFF2-40B4-BE49-F238E27FC236}">
-                <a16:creationId xmlns:a16="http://schemas.microsoft.com/office/drawing/2014/main" id="{19BFB98D-8FCC-F52A-FFE9-93B8747B035A}"/>
+                <a16:creationId xmlns:a16="http://schemas.microsoft.com/office/drawing/2014/main" id="{609CCCDF-1A24-3B5D-70FE-B83C4A445026}"/>
               </a:ext>
             </a:extLst>
           </p:cNvPr>
@@ -1380,7 +1380,7 @@
           <p:cNvPr id="5" name="日期占位符 4">
             <a:extLst>
               <a:ext uri="{FF2B5EF4-FFF2-40B4-BE49-F238E27FC236}">
-                <a16:creationId xmlns:a16="http://schemas.microsoft.com/office/drawing/2014/main" id="{93E6526A-5754-3AD7-CFEE-CF6A50E0D235}"/>
+                <a16:creationId xmlns:a16="http://schemas.microsoft.com/office/drawing/2014/main" id="{315DEDC9-0D9A-8E30-E575-17344FFFD07C}"/>
               </a:ext>
             </a:extLst>
           </p:cNvPr>
@@ -1396,7 +1396,7 @@
           <a:bodyPr/>
           <a:lstStyle/>
           <a:p>
-            <a:fld id="{BBD6A05D-9495-494D-B79B-FEFB174B0A34}" type="datetimeFigureOut">
+            <a:fld id="{7C488F88-3445-4117-BD33-12C0A851A300}" type="datetimeFigureOut">
               <a:rPr lang="zh-CN" altLang="en-US" smtClean="0"/>
               <a:t>2024/3/10</a:t>
             </a:fld>
@@ -1409,7 +1409,7 @@
           <p:cNvPr id="6" name="页脚占位符 5">
             <a:extLst>
               <a:ext uri="{FF2B5EF4-FFF2-40B4-BE49-F238E27FC236}">
-                <a16:creationId xmlns:a16="http://schemas.microsoft.com/office/drawing/2014/main" id="{79A4099A-1702-0171-7889-08CB54587BA6}"/>
+                <a16:creationId xmlns:a16="http://schemas.microsoft.com/office/drawing/2014/main" id="{B53E0467-C1D7-67EC-79EE-863FE38ACD17}"/>
               </a:ext>
             </a:extLst>
           </p:cNvPr>
@@ -1434,7 +1434,7 @@
           <p:cNvPr id="7" name="灯片编号占位符 6">
             <a:extLst>
               <a:ext uri="{FF2B5EF4-FFF2-40B4-BE49-F238E27FC236}">
-                <a16:creationId xmlns:a16="http://schemas.microsoft.com/office/drawing/2014/main" id="{9A0BEE95-7D9B-FA83-1DFB-DBF96C899DB0}"/>
+                <a16:creationId xmlns:a16="http://schemas.microsoft.com/office/drawing/2014/main" id="{A08A7CCC-9DAC-B3A2-F66B-699A8D6E14E7}"/>
               </a:ext>
             </a:extLst>
           </p:cNvPr>
@@ -1450,7 +1450,7 @@
           <a:bodyPr/>
           <a:lstStyle/>
           <a:p>
-            <a:fld id="{D5323626-3C0A-41F7-A437-9B711F420E45}" type="slidenum">
+            <a:fld id="{6E5528F8-E349-4D61-9493-9C71DECBF5F3}" type="slidenum">
               <a:rPr lang="zh-CN" altLang="en-US" smtClean="0"/>
               <a:t>‹#›</a:t>
             </a:fld>
@@ -1461,7 +1461,7 @@
     </p:spTree>
     <p:extLst>
       <p:ext uri="{BB962C8B-B14F-4D97-AF65-F5344CB8AC3E}">
-        <p14:creationId xmlns:p14="http://schemas.microsoft.com/office/powerpoint/2010/main" val="458090588"/>
+        <p14:creationId xmlns:p14="http://schemas.microsoft.com/office/powerpoint/2010/main" val="398839265"/>
       </p:ext>
     </p:extLst>
   </p:cSld>
@@ -1493,7 +1493,7 @@
           <p:cNvPr id="2" name="标题 1">
             <a:extLst>
               <a:ext uri="{FF2B5EF4-FFF2-40B4-BE49-F238E27FC236}">
-                <a16:creationId xmlns:a16="http://schemas.microsoft.com/office/drawing/2014/main" id="{9DEC8A12-5331-4382-B257-93B91933A804}"/>
+                <a16:creationId xmlns:a16="http://schemas.microsoft.com/office/drawing/2014/main" id="{B25028A8-1099-4EA1-1143-7736BDF7E010}"/>
               </a:ext>
             </a:extLst>
           </p:cNvPr>
@@ -1526,7 +1526,7 @@
           <p:cNvPr id="3" name="文本占位符 2">
             <a:extLst>
               <a:ext uri="{FF2B5EF4-FFF2-40B4-BE49-F238E27FC236}">
-                <a16:creationId xmlns:a16="http://schemas.microsoft.com/office/drawing/2014/main" id="{10E8025D-C6DA-C3AC-C985-6F13A5A2A42B}"/>
+                <a16:creationId xmlns:a16="http://schemas.microsoft.com/office/drawing/2014/main" id="{B7D809B5-E06A-A874-E457-8A271896D6C7}"/>
               </a:ext>
             </a:extLst>
           </p:cNvPr>
@@ -1597,7 +1597,7 @@
           <p:cNvPr id="4" name="内容占位符 3">
             <a:extLst>
               <a:ext uri="{FF2B5EF4-FFF2-40B4-BE49-F238E27FC236}">
-                <a16:creationId xmlns:a16="http://schemas.microsoft.com/office/drawing/2014/main" id="{BAE2594D-6142-4794-E1B0-7AD342E23933}"/>
+                <a16:creationId xmlns:a16="http://schemas.microsoft.com/office/drawing/2014/main" id="{FCBCCD92-07F1-B559-EC53-3FE4F471B99D}"/>
               </a:ext>
             </a:extLst>
           </p:cNvPr>
@@ -1659,7 +1659,7 @@
           <p:cNvPr id="5" name="文本占位符 4">
             <a:extLst>
               <a:ext uri="{FF2B5EF4-FFF2-40B4-BE49-F238E27FC236}">
-                <a16:creationId xmlns:a16="http://schemas.microsoft.com/office/drawing/2014/main" id="{DD112AC4-664C-051B-26B0-566B78638C00}"/>
+                <a16:creationId xmlns:a16="http://schemas.microsoft.com/office/drawing/2014/main" id="{FABD8036-66BE-F745-CA9D-5CA08B146B73}"/>
               </a:ext>
             </a:extLst>
           </p:cNvPr>
@@ -1730,7 +1730,7 @@
           <p:cNvPr id="6" name="内容占位符 5">
             <a:extLst>
               <a:ext uri="{FF2B5EF4-FFF2-40B4-BE49-F238E27FC236}">
-                <a16:creationId xmlns:a16="http://schemas.microsoft.com/office/drawing/2014/main" id="{E71D8C44-D8F4-A216-CE4A-8CFE7EC1260E}"/>
+                <a16:creationId xmlns:a16="http://schemas.microsoft.com/office/drawing/2014/main" id="{2D66CFF9-9E73-818D-F643-CA37C1F22A8B}"/>
               </a:ext>
             </a:extLst>
           </p:cNvPr>
@@ -1792,7 +1792,7 @@
           <p:cNvPr id="7" name="日期占位符 6">
             <a:extLst>
               <a:ext uri="{FF2B5EF4-FFF2-40B4-BE49-F238E27FC236}">
-                <a16:creationId xmlns:a16="http://schemas.microsoft.com/office/drawing/2014/main" id="{A17CADBC-2A62-0346-9BD6-0DFE388FB896}"/>
+                <a16:creationId xmlns:a16="http://schemas.microsoft.com/office/drawing/2014/main" id="{2F93A38F-33E0-3948-A8F4-31A50B213D3E}"/>
               </a:ext>
             </a:extLst>
           </p:cNvPr>
@@ -1808,7 +1808,7 @@
           <a:bodyPr/>
           <a:lstStyle/>
           <a:p>
-            <a:fld id="{BBD6A05D-9495-494D-B79B-FEFB174B0A34}" type="datetimeFigureOut">
+            <a:fld id="{7C488F88-3445-4117-BD33-12C0A851A300}" type="datetimeFigureOut">
               <a:rPr lang="zh-CN" altLang="en-US" smtClean="0"/>
               <a:t>2024/3/10</a:t>
             </a:fld>
@@ -1821,7 +1821,7 @@
           <p:cNvPr id="8" name="页脚占位符 7">
             <a:extLst>
               <a:ext uri="{FF2B5EF4-FFF2-40B4-BE49-F238E27FC236}">
-                <a16:creationId xmlns:a16="http://schemas.microsoft.com/office/drawing/2014/main" id="{871FE50A-871C-7E50-C804-3EFDDA6373A4}"/>
+                <a16:creationId xmlns:a16="http://schemas.microsoft.com/office/drawing/2014/main" id="{901B59F0-76AE-89E6-0765-6520F7423FA0}"/>
               </a:ext>
             </a:extLst>
           </p:cNvPr>
@@ -1846,7 +1846,7 @@
           <p:cNvPr id="9" name="灯片编号占位符 8">
             <a:extLst>
               <a:ext uri="{FF2B5EF4-FFF2-40B4-BE49-F238E27FC236}">
-                <a16:creationId xmlns:a16="http://schemas.microsoft.com/office/drawing/2014/main" id="{C3265D41-4033-6025-EC87-4542E5A5D571}"/>
+                <a16:creationId xmlns:a16="http://schemas.microsoft.com/office/drawing/2014/main" id="{F59021CC-151F-05B4-144E-8C6C24876694}"/>
               </a:ext>
             </a:extLst>
           </p:cNvPr>
@@ -1862,7 +1862,7 @@
           <a:bodyPr/>
           <a:lstStyle/>
           <a:p>
-            <a:fld id="{D5323626-3C0A-41F7-A437-9B711F420E45}" type="slidenum">
+            <a:fld id="{6E5528F8-E349-4D61-9493-9C71DECBF5F3}" type="slidenum">
               <a:rPr lang="zh-CN" altLang="en-US" smtClean="0"/>
               <a:t>‹#›</a:t>
             </a:fld>
@@ -1873,7 +1873,7 @@
     </p:spTree>
     <p:extLst>
       <p:ext uri="{BB962C8B-B14F-4D97-AF65-F5344CB8AC3E}">
-        <p14:creationId xmlns:p14="http://schemas.microsoft.com/office/powerpoint/2010/main" val="1866515752"/>
+        <p14:creationId xmlns:p14="http://schemas.microsoft.com/office/powerpoint/2010/main" val="3910121847"/>
       </p:ext>
     </p:extLst>
   </p:cSld>
@@ -1905,7 +1905,7 @@
           <p:cNvPr id="2" name="标题 1">
             <a:extLst>
               <a:ext uri="{FF2B5EF4-FFF2-40B4-BE49-F238E27FC236}">
-                <a16:creationId xmlns:a16="http://schemas.microsoft.com/office/drawing/2014/main" id="{9A21A05C-DD44-F327-FC2B-033FE9AF69BB}"/>
+                <a16:creationId xmlns:a16="http://schemas.microsoft.com/office/drawing/2014/main" id="{4C599121-209D-24DC-3CC7-CEB212E7A463}"/>
               </a:ext>
             </a:extLst>
           </p:cNvPr>
@@ -1933,7 +1933,7 @@
           <p:cNvPr id="3" name="日期占位符 2">
             <a:extLst>
               <a:ext uri="{FF2B5EF4-FFF2-40B4-BE49-F238E27FC236}">
-                <a16:creationId xmlns:a16="http://schemas.microsoft.com/office/drawing/2014/main" id="{20AF54D8-A0FC-BB4B-5353-2E032A5F7C06}"/>
+                <a16:creationId xmlns:a16="http://schemas.microsoft.com/office/drawing/2014/main" id="{33F75B31-8974-97C8-9281-BC636AFC4E9B}"/>
               </a:ext>
             </a:extLst>
           </p:cNvPr>
@@ -1949,7 +1949,7 @@
           <a:bodyPr/>
           <a:lstStyle/>
           <a:p>
-            <a:fld id="{BBD6A05D-9495-494D-B79B-FEFB174B0A34}" type="datetimeFigureOut">
+            <a:fld id="{7C488F88-3445-4117-BD33-12C0A851A300}" type="datetimeFigureOut">
               <a:rPr lang="zh-CN" altLang="en-US" smtClean="0"/>
               <a:t>2024/3/10</a:t>
             </a:fld>
@@ -1962,7 +1962,7 @@
           <p:cNvPr id="4" name="页脚占位符 3">
             <a:extLst>
               <a:ext uri="{FF2B5EF4-FFF2-40B4-BE49-F238E27FC236}">
-                <a16:creationId xmlns:a16="http://schemas.microsoft.com/office/drawing/2014/main" id="{403ACDA2-0A9B-AF68-2C10-BA2EC11334B7}"/>
+                <a16:creationId xmlns:a16="http://schemas.microsoft.com/office/drawing/2014/main" id="{5030C9F2-1FB0-4C23-965B-B01C6D6F4A9B}"/>
               </a:ext>
             </a:extLst>
           </p:cNvPr>
@@ -1987,7 +1987,7 @@
           <p:cNvPr id="5" name="灯片编号占位符 4">
             <a:extLst>
               <a:ext uri="{FF2B5EF4-FFF2-40B4-BE49-F238E27FC236}">
-                <a16:creationId xmlns:a16="http://schemas.microsoft.com/office/drawing/2014/main" id="{EF599E0D-828A-1532-E226-7E2DB48B6C56}"/>
+                <a16:creationId xmlns:a16="http://schemas.microsoft.com/office/drawing/2014/main" id="{5742A81E-B280-8A44-23C3-D99A46E1667C}"/>
               </a:ext>
             </a:extLst>
           </p:cNvPr>
@@ -2003,7 +2003,7 @@
           <a:bodyPr/>
           <a:lstStyle/>
           <a:p>
-            <a:fld id="{D5323626-3C0A-41F7-A437-9B711F420E45}" type="slidenum">
+            <a:fld id="{6E5528F8-E349-4D61-9493-9C71DECBF5F3}" type="slidenum">
               <a:rPr lang="zh-CN" altLang="en-US" smtClean="0"/>
               <a:t>‹#›</a:t>
             </a:fld>
@@ -2014,7 +2014,7 @@
     </p:spTree>
     <p:extLst>
       <p:ext uri="{BB962C8B-B14F-4D97-AF65-F5344CB8AC3E}">
-        <p14:creationId xmlns:p14="http://schemas.microsoft.com/office/powerpoint/2010/main" val="1721592335"/>
+        <p14:creationId xmlns:p14="http://schemas.microsoft.com/office/powerpoint/2010/main" val="2988175524"/>
       </p:ext>
     </p:extLst>
   </p:cSld>
@@ -2046,7 +2046,7 @@
           <p:cNvPr id="2" name="日期占位符 1">
             <a:extLst>
               <a:ext uri="{FF2B5EF4-FFF2-40B4-BE49-F238E27FC236}">
-                <a16:creationId xmlns:a16="http://schemas.microsoft.com/office/drawing/2014/main" id="{179980C7-A8D6-1DF8-F405-4903F27BE289}"/>
+                <a16:creationId xmlns:a16="http://schemas.microsoft.com/office/drawing/2014/main" id="{7A759947-12E3-3262-2271-6BE53BCA948F}"/>
               </a:ext>
             </a:extLst>
           </p:cNvPr>
@@ -2062,7 +2062,7 @@
           <a:bodyPr/>
           <a:lstStyle/>
           <a:p>
-            <a:fld id="{BBD6A05D-9495-494D-B79B-FEFB174B0A34}" type="datetimeFigureOut">
+            <a:fld id="{7C488F88-3445-4117-BD33-12C0A851A300}" type="datetimeFigureOut">
               <a:rPr lang="zh-CN" altLang="en-US" smtClean="0"/>
               <a:t>2024/3/10</a:t>
             </a:fld>
@@ -2075,7 +2075,7 @@
           <p:cNvPr id="3" name="页脚占位符 2">
             <a:extLst>
               <a:ext uri="{FF2B5EF4-FFF2-40B4-BE49-F238E27FC236}">
-                <a16:creationId xmlns:a16="http://schemas.microsoft.com/office/drawing/2014/main" id="{4A31F46C-B519-F916-E1C0-1C3671D7E608}"/>
+                <a16:creationId xmlns:a16="http://schemas.microsoft.com/office/drawing/2014/main" id="{7A0E87F6-0AEC-61ED-EA02-CEEBBC3A9F7F}"/>
               </a:ext>
             </a:extLst>
           </p:cNvPr>
@@ -2100,7 +2100,7 @@
           <p:cNvPr id="4" name="灯片编号占位符 3">
             <a:extLst>
               <a:ext uri="{FF2B5EF4-FFF2-40B4-BE49-F238E27FC236}">
-                <a16:creationId xmlns:a16="http://schemas.microsoft.com/office/drawing/2014/main" id="{ACD8EABA-8340-64E9-33B2-91636CE247D2}"/>
+                <a16:creationId xmlns:a16="http://schemas.microsoft.com/office/drawing/2014/main" id="{C1162A08-9A1D-1219-53A9-14E851F12A0B}"/>
               </a:ext>
             </a:extLst>
           </p:cNvPr>
@@ -2116,7 +2116,7 @@
           <a:bodyPr/>
           <a:lstStyle/>
           <a:p>
-            <a:fld id="{D5323626-3C0A-41F7-A437-9B711F420E45}" type="slidenum">
+            <a:fld id="{6E5528F8-E349-4D61-9493-9C71DECBF5F3}" type="slidenum">
               <a:rPr lang="zh-CN" altLang="en-US" smtClean="0"/>
               <a:t>‹#›</a:t>
             </a:fld>
@@ -2127,7 +2127,7 @@
     </p:spTree>
     <p:extLst>
       <p:ext uri="{BB962C8B-B14F-4D97-AF65-F5344CB8AC3E}">
-        <p14:creationId xmlns:p14="http://schemas.microsoft.com/office/powerpoint/2010/main" val="1844475750"/>
+        <p14:creationId xmlns:p14="http://schemas.microsoft.com/office/powerpoint/2010/main" val="3001182184"/>
       </p:ext>
     </p:extLst>
   </p:cSld>
@@ -2159,7 +2159,7 @@
           <p:cNvPr id="2" name="标题 1">
             <a:extLst>
               <a:ext uri="{FF2B5EF4-FFF2-40B4-BE49-F238E27FC236}">
-                <a16:creationId xmlns:a16="http://schemas.microsoft.com/office/drawing/2014/main" id="{A8655307-612C-AA6E-11D3-EF4628D29EB2}"/>
+                <a16:creationId xmlns:a16="http://schemas.microsoft.com/office/drawing/2014/main" id="{B6F28F26-62FA-CF32-563B-4271E803A1A6}"/>
               </a:ext>
             </a:extLst>
           </p:cNvPr>
@@ -2196,7 +2196,7 @@
           <p:cNvPr id="3" name="内容占位符 2">
             <a:extLst>
               <a:ext uri="{FF2B5EF4-FFF2-40B4-BE49-F238E27FC236}">
-                <a16:creationId xmlns:a16="http://schemas.microsoft.com/office/drawing/2014/main" id="{7708EBA1-4651-AF05-6E0C-BECEFE13D79A}"/>
+                <a16:creationId xmlns:a16="http://schemas.microsoft.com/office/drawing/2014/main" id="{6F0988EE-B375-9436-0135-20043F599DD7}"/>
               </a:ext>
             </a:extLst>
           </p:cNvPr>
@@ -2286,7 +2286,7 @@
           <p:cNvPr id="4" name="文本占位符 3">
             <a:extLst>
               <a:ext uri="{FF2B5EF4-FFF2-40B4-BE49-F238E27FC236}">
-                <a16:creationId xmlns:a16="http://schemas.microsoft.com/office/drawing/2014/main" id="{F22EBEB5-C6BD-4E92-CE1A-99B6D3E55706}"/>
+                <a16:creationId xmlns:a16="http://schemas.microsoft.com/office/drawing/2014/main" id="{0FFC29A1-BABA-3401-130E-0402041126D7}"/>
               </a:ext>
             </a:extLst>
           </p:cNvPr>
@@ -2357,7 +2357,7 @@
           <p:cNvPr id="5" name="日期占位符 4">
             <a:extLst>
               <a:ext uri="{FF2B5EF4-FFF2-40B4-BE49-F238E27FC236}">
-                <a16:creationId xmlns:a16="http://schemas.microsoft.com/office/drawing/2014/main" id="{3260CAAD-2FA2-E4AA-1D51-C3546E5FA677}"/>
+                <a16:creationId xmlns:a16="http://schemas.microsoft.com/office/drawing/2014/main" id="{5295A260-AF1C-A3CD-4AC3-7F5DBA798D3A}"/>
               </a:ext>
             </a:extLst>
           </p:cNvPr>
@@ -2373,7 +2373,7 @@
           <a:bodyPr/>
           <a:lstStyle/>
           <a:p>
-            <a:fld id="{BBD6A05D-9495-494D-B79B-FEFB174B0A34}" type="datetimeFigureOut">
+            <a:fld id="{7C488F88-3445-4117-BD33-12C0A851A300}" type="datetimeFigureOut">
               <a:rPr lang="zh-CN" altLang="en-US" smtClean="0"/>
               <a:t>2024/3/10</a:t>
             </a:fld>
@@ -2386,7 +2386,7 @@
           <p:cNvPr id="6" name="页脚占位符 5">
             <a:extLst>
               <a:ext uri="{FF2B5EF4-FFF2-40B4-BE49-F238E27FC236}">
-                <a16:creationId xmlns:a16="http://schemas.microsoft.com/office/drawing/2014/main" id="{B59878CB-02F9-1EE2-E798-B3EE3A445C49}"/>
+                <a16:creationId xmlns:a16="http://schemas.microsoft.com/office/drawing/2014/main" id="{0CCC46F9-D215-6076-7D9D-C08F4F92DA2C}"/>
               </a:ext>
             </a:extLst>
           </p:cNvPr>
@@ -2411,7 +2411,7 @@
           <p:cNvPr id="7" name="灯片编号占位符 6">
             <a:extLst>
               <a:ext uri="{FF2B5EF4-FFF2-40B4-BE49-F238E27FC236}">
-                <a16:creationId xmlns:a16="http://schemas.microsoft.com/office/drawing/2014/main" id="{67BA560A-6F1C-2D5C-EE14-F2D53DF7CFBE}"/>
+                <a16:creationId xmlns:a16="http://schemas.microsoft.com/office/drawing/2014/main" id="{53D38998-DD87-BEDB-193E-9F925B9D0DF0}"/>
               </a:ext>
             </a:extLst>
           </p:cNvPr>
@@ -2427,7 +2427,7 @@
           <a:bodyPr/>
           <a:lstStyle/>
           <a:p>
-            <a:fld id="{D5323626-3C0A-41F7-A437-9B711F420E45}" type="slidenum">
+            <a:fld id="{6E5528F8-E349-4D61-9493-9C71DECBF5F3}" type="slidenum">
               <a:rPr lang="zh-CN" altLang="en-US" smtClean="0"/>
               <a:t>‹#›</a:t>
             </a:fld>
@@ -2438,7 +2438,7 @@
     </p:spTree>
     <p:extLst>
       <p:ext uri="{BB962C8B-B14F-4D97-AF65-F5344CB8AC3E}">
-        <p14:creationId xmlns:p14="http://schemas.microsoft.com/office/powerpoint/2010/main" val="4279727531"/>
+        <p14:creationId xmlns:p14="http://schemas.microsoft.com/office/powerpoint/2010/main" val="2415465002"/>
       </p:ext>
     </p:extLst>
   </p:cSld>
@@ -2470,7 +2470,7 @@
           <p:cNvPr id="2" name="标题 1">
             <a:extLst>
               <a:ext uri="{FF2B5EF4-FFF2-40B4-BE49-F238E27FC236}">
-                <a16:creationId xmlns:a16="http://schemas.microsoft.com/office/drawing/2014/main" id="{82DAD719-6FEE-ED38-05F9-3DEE48DFFE42}"/>
+                <a16:creationId xmlns:a16="http://schemas.microsoft.com/office/drawing/2014/main" id="{0CA79DE3-D970-9FA3-674B-3138913B3398}"/>
               </a:ext>
             </a:extLst>
           </p:cNvPr>
@@ -2507,7 +2507,7 @@
           <p:cNvPr id="3" name="图片占位符 2">
             <a:extLst>
               <a:ext uri="{FF2B5EF4-FFF2-40B4-BE49-F238E27FC236}">
-                <a16:creationId xmlns:a16="http://schemas.microsoft.com/office/drawing/2014/main" id="{228C7BEE-015E-8526-51E7-AF0BBA6A1101}"/>
+                <a16:creationId xmlns:a16="http://schemas.microsoft.com/office/drawing/2014/main" id="{40B460AC-C2CC-6B53-66AA-C2F22E2C2F27}"/>
               </a:ext>
             </a:extLst>
           </p:cNvPr>
@@ -2574,7 +2574,7 @@
           <p:cNvPr id="4" name="文本占位符 3">
             <a:extLst>
               <a:ext uri="{FF2B5EF4-FFF2-40B4-BE49-F238E27FC236}">
-                <a16:creationId xmlns:a16="http://schemas.microsoft.com/office/drawing/2014/main" id="{C5701536-5D63-81E5-0585-AD94A278143E}"/>
+                <a16:creationId xmlns:a16="http://schemas.microsoft.com/office/drawing/2014/main" id="{F8F08B3F-AF17-97D7-65EF-ED7E5EF4F72F}"/>
               </a:ext>
             </a:extLst>
           </p:cNvPr>
@@ -2645,7 +2645,7 @@
           <p:cNvPr id="5" name="日期占位符 4">
             <a:extLst>
               <a:ext uri="{FF2B5EF4-FFF2-40B4-BE49-F238E27FC236}">
-                <a16:creationId xmlns:a16="http://schemas.microsoft.com/office/drawing/2014/main" id="{DD2CE902-253B-A299-5153-86EC9D657872}"/>
+                <a16:creationId xmlns:a16="http://schemas.microsoft.com/office/drawing/2014/main" id="{1DF5047C-1B63-C78D-B0A4-FD123AFF4397}"/>
               </a:ext>
             </a:extLst>
           </p:cNvPr>
@@ -2661,7 +2661,7 @@
           <a:bodyPr/>
           <a:lstStyle/>
           <a:p>
-            <a:fld id="{BBD6A05D-9495-494D-B79B-FEFB174B0A34}" type="datetimeFigureOut">
+            <a:fld id="{7C488F88-3445-4117-BD33-12C0A851A300}" type="datetimeFigureOut">
               <a:rPr lang="zh-CN" altLang="en-US" smtClean="0"/>
               <a:t>2024/3/10</a:t>
             </a:fld>
@@ -2674,7 +2674,7 @@
           <p:cNvPr id="6" name="页脚占位符 5">
             <a:extLst>
               <a:ext uri="{FF2B5EF4-FFF2-40B4-BE49-F238E27FC236}">
-                <a16:creationId xmlns:a16="http://schemas.microsoft.com/office/drawing/2014/main" id="{064B4D85-C1B0-35AC-39C4-001F4BAF9B74}"/>
+                <a16:creationId xmlns:a16="http://schemas.microsoft.com/office/drawing/2014/main" id="{051825DB-1EAC-9B17-01CC-60D37636ECAA}"/>
               </a:ext>
             </a:extLst>
           </p:cNvPr>
@@ -2699,7 +2699,7 @@
           <p:cNvPr id="7" name="灯片编号占位符 6">
             <a:extLst>
               <a:ext uri="{FF2B5EF4-FFF2-40B4-BE49-F238E27FC236}">
-                <a16:creationId xmlns:a16="http://schemas.microsoft.com/office/drawing/2014/main" id="{3F876C59-8A7D-AD54-377F-B8181BCC0DC2}"/>
+                <a16:creationId xmlns:a16="http://schemas.microsoft.com/office/drawing/2014/main" id="{1129E1B7-14DC-499B-F3D4-70164CF575FF}"/>
               </a:ext>
             </a:extLst>
           </p:cNvPr>
@@ -2715,7 +2715,7 @@
           <a:bodyPr/>
           <a:lstStyle/>
           <a:p>
-            <a:fld id="{D5323626-3C0A-41F7-A437-9B711F420E45}" type="slidenum">
+            <a:fld id="{6E5528F8-E349-4D61-9493-9C71DECBF5F3}" type="slidenum">
               <a:rPr lang="zh-CN" altLang="en-US" smtClean="0"/>
               <a:t>‹#›</a:t>
             </a:fld>
@@ -2726,7 +2726,7 @@
     </p:spTree>
     <p:extLst>
       <p:ext uri="{BB962C8B-B14F-4D97-AF65-F5344CB8AC3E}">
-        <p14:creationId xmlns:p14="http://schemas.microsoft.com/office/powerpoint/2010/main" val="1291214337"/>
+        <p14:creationId xmlns:p14="http://schemas.microsoft.com/office/powerpoint/2010/main" val="4171427455"/>
       </p:ext>
     </p:extLst>
   </p:cSld>
@@ -2763,7 +2763,7 @@
           <p:cNvPr id="2" name="标题占位符 1">
             <a:extLst>
               <a:ext uri="{FF2B5EF4-FFF2-40B4-BE49-F238E27FC236}">
-                <a16:creationId xmlns:a16="http://schemas.microsoft.com/office/drawing/2014/main" id="{9192BBE6-6CAF-D1C9-5787-07DED08A9F7C}"/>
+                <a16:creationId xmlns:a16="http://schemas.microsoft.com/office/drawing/2014/main" id="{771D8CE2-5C6C-62DC-A420-FB6A4A6B83C6}"/>
               </a:ext>
             </a:extLst>
           </p:cNvPr>
@@ -2801,7 +2801,7 @@
           <p:cNvPr id="3" name="文本占位符 2">
             <a:extLst>
               <a:ext uri="{FF2B5EF4-FFF2-40B4-BE49-F238E27FC236}">
-                <a16:creationId xmlns:a16="http://schemas.microsoft.com/office/drawing/2014/main" id="{B9AEFEB2-19EF-9FA6-22D4-7BDF6945984E}"/>
+                <a16:creationId xmlns:a16="http://schemas.microsoft.com/office/drawing/2014/main" id="{38F2993E-BA36-9FED-344D-979104D2413C}"/>
               </a:ext>
             </a:extLst>
           </p:cNvPr>
@@ -2868,7 +2868,7 @@
           <p:cNvPr id="4" name="日期占位符 3">
             <a:extLst>
               <a:ext uri="{FF2B5EF4-FFF2-40B4-BE49-F238E27FC236}">
-                <a16:creationId xmlns:a16="http://schemas.microsoft.com/office/drawing/2014/main" id="{641323FE-675F-4E51-56A1-DACB965E76FE}"/>
+                <a16:creationId xmlns:a16="http://schemas.microsoft.com/office/drawing/2014/main" id="{26944A89-25F4-378E-B099-C5D0C2CECF09}"/>
               </a:ext>
             </a:extLst>
           </p:cNvPr>
@@ -2902,7 +2902,7 @@
             </a:lvl1pPr>
           </a:lstStyle>
           <a:p>
-            <a:fld id="{BBD6A05D-9495-494D-B79B-FEFB174B0A34}" type="datetimeFigureOut">
+            <a:fld id="{7C488F88-3445-4117-BD33-12C0A851A300}" type="datetimeFigureOut">
               <a:rPr lang="zh-CN" altLang="en-US" smtClean="0"/>
               <a:t>2024/3/10</a:t>
             </a:fld>
@@ -2915,7 +2915,7 @@
           <p:cNvPr id="5" name="页脚占位符 4">
             <a:extLst>
               <a:ext uri="{FF2B5EF4-FFF2-40B4-BE49-F238E27FC236}">
-                <a16:creationId xmlns:a16="http://schemas.microsoft.com/office/drawing/2014/main" id="{C957E97B-9F68-7C1F-DC9A-4E61E8AF3282}"/>
+                <a16:creationId xmlns:a16="http://schemas.microsoft.com/office/drawing/2014/main" id="{78E09D6D-AE38-0C98-66D8-D73C8FFBC8DC}"/>
               </a:ext>
             </a:extLst>
           </p:cNvPr>
@@ -2958,7 +2958,7 @@
           <p:cNvPr id="6" name="灯片编号占位符 5">
             <a:extLst>
               <a:ext uri="{FF2B5EF4-FFF2-40B4-BE49-F238E27FC236}">
-                <a16:creationId xmlns:a16="http://schemas.microsoft.com/office/drawing/2014/main" id="{3DD06076-850F-A54B-C7BF-2CEF64230D7D}"/>
+                <a16:creationId xmlns:a16="http://schemas.microsoft.com/office/drawing/2014/main" id="{7309A0AC-9BE3-73A2-38A0-568C4E793458}"/>
               </a:ext>
             </a:extLst>
           </p:cNvPr>
@@ -2992,7 +2992,7 @@
             </a:lvl1pPr>
           </a:lstStyle>
           <a:p>
-            <a:fld id="{D5323626-3C0A-41F7-A437-9B711F420E45}" type="slidenum">
+            <a:fld id="{6E5528F8-E349-4D61-9493-9C71DECBF5F3}" type="slidenum">
               <a:rPr lang="zh-CN" altLang="en-US" smtClean="0"/>
               <a:t>‹#›</a:t>
             </a:fld>
@@ -3003,7 +3003,7 @@
     </p:spTree>
     <p:extLst>
       <p:ext uri="{BB962C8B-B14F-4D97-AF65-F5344CB8AC3E}">
-        <p14:creationId xmlns:p14="http://schemas.microsoft.com/office/powerpoint/2010/main" val="2720647188"/>
+        <p14:creationId xmlns:p14="http://schemas.microsoft.com/office/powerpoint/2010/main" val="3677613745"/>
       </p:ext>
     </p:extLst>
   </p:cSld>
